--- a/fuentes/contenidos/grado10/guion02/CN_10_02_CO.pptx
+++ b/fuentes/contenidos/grado10/guion02/CN_10_02_CO.pptx
@@ -410,7 +410,7 @@
           <a:p>
             <a:fld id="{5001C876-01F7-4317-94B9-1AE222133113}" type="datetimeFigureOut">
               <a:rPr lang="es-ES" smtClean="0"/>
-              <a:t>10/05/2016</a:t>
+              <a:t>13/05/2016</a:t>
             </a:fld>
             <a:endParaRPr lang="es-ES"/>
           </a:p>
@@ -1092,7 +1092,7 @@
         </p:nvSpPr>
         <p:spPr>
           <a:xfrm>
-            <a:off x="5921422" y="669497"/>
+            <a:off x="5516977" y="669497"/>
             <a:ext cx="781029" cy="292388"/>
           </a:xfrm>
           <a:prstGeom prst="rect">
@@ -1187,7 +1187,7 @@
         </p:nvSpPr>
         <p:spPr>
           <a:xfrm>
-            <a:off x="1528603" y="1510069"/>
+            <a:off x="1519811" y="1510069"/>
             <a:ext cx="949123" cy="553998"/>
           </a:xfrm>
           <a:prstGeom prst="rect">
@@ -1377,8 +1377,8 @@
         </p:nvSpPr>
         <p:spPr>
           <a:xfrm>
-            <a:off x="616064" y="2714661"/>
-            <a:ext cx="713090" cy="496784"/>
+            <a:off x="541190" y="2714661"/>
+            <a:ext cx="862839" cy="496784"/>
           </a:xfrm>
           <a:prstGeom prst="rect">
             <a:avLst/>
@@ -1439,8 +1439,8 @@
         </p:nvSpPr>
         <p:spPr>
           <a:xfrm>
-            <a:off x="1606497" y="2718594"/>
-            <a:ext cx="784399" cy="492851"/>
+            <a:off x="1597705" y="2708032"/>
+            <a:ext cx="784399" cy="503414"/>
           </a:xfrm>
           <a:prstGeom prst="rect">
             <a:avLst/>
@@ -1473,13 +1473,13 @@
           <a:p>
             <a:r>
               <a:rPr lang="es-ES" dirty="0"/>
-              <a:t>distancia.</a:t>
+              <a:t>distancia</a:t>
             </a:r>
           </a:p>
           <a:p>
             <a:r>
               <a:rPr lang="es-ES" dirty="0"/>
-              <a:t>rapidez.</a:t>
+              <a:t>rapidez</a:t>
             </a:r>
           </a:p>
         </p:txBody>
@@ -1492,65 +1492,8 @@
         </p:nvSpPr>
         <p:spPr>
           <a:xfrm>
-            <a:off x="2513691" y="2703615"/>
-            <a:ext cx="957419" cy="507831"/>
-          </a:xfrm>
-          <a:prstGeom prst="rect">
-            <a:avLst/>
-          </a:prstGeom>
-          <a:solidFill>
-            <a:schemeClr val="bg1">
-              <a:lumMod val="75000"/>
-            </a:schemeClr>
-          </a:solidFill>
-          <a:ln>
-            <a:solidFill>
-              <a:schemeClr val="tx1"/>
-            </a:solidFill>
-          </a:ln>
-        </p:spPr>
-        <p:txBody>
-          <a:bodyPr wrap="square" rtlCol="0">
-            <a:spAutoFit/>
-          </a:bodyPr>
-          <a:lstStyle>
-            <a:defPPr>
-              <a:defRPr lang="es-ES"/>
-            </a:defPPr>
-            <a:lvl1pPr algn="ctr">
-              <a:defRPr sz="900"/>
-            </a:lvl1pPr>
-          </a:lstStyle>
-          <a:p>
-            <a:r>
-              <a:rPr lang="es-ES" dirty="0"/>
-              <a:t>desplazamiento.</a:t>
-            </a:r>
-          </a:p>
-          <a:p>
-            <a:r>
-              <a:rPr lang="es-ES" dirty="0"/>
-              <a:t>velocidad.</a:t>
-            </a:r>
-          </a:p>
-          <a:p>
-            <a:r>
-              <a:rPr lang="es-ES" dirty="0"/>
-              <a:t>aceleración.</a:t>
-            </a:r>
-          </a:p>
-        </p:txBody>
-      </p:sp>
-      <p:sp>
-        <p:nvSpPr>
-          <p:cNvPr id="103" name="102 CuadroTexto"/>
-          <p:cNvSpPr txBox="1"/>
-          <p:nvPr/>
-        </p:nvSpPr>
-        <p:spPr>
-          <a:xfrm>
-            <a:off x="3559628" y="2716758"/>
-            <a:ext cx="1301562" cy="507831"/>
+            <a:off x="2465820" y="2703615"/>
+            <a:ext cx="1053161" cy="516899"/>
           </a:xfrm>
           <a:prstGeom prst="rect">
             <a:avLst/>
@@ -1583,407 +1526,42 @@
           <a:p>
             <a:r>
               <a:rPr lang="es-ES" dirty="0"/>
-              <a:t>trayectoria rectilínea.</a:t>
+              <a:t>desplazamiento</a:t>
             </a:r>
           </a:p>
           <a:p>
             <a:r>
               <a:rPr lang="es-ES" dirty="0"/>
-              <a:t>velocidad contante.</a:t>
+              <a:t>velocidad</a:t>
             </a:r>
           </a:p>
           <a:p>
             <a:r>
               <a:rPr lang="es-ES" dirty="0"/>
-              <a:t>aceleración nula.</a:t>
-            </a:r>
-          </a:p>
-        </p:txBody>
-      </p:sp>
-      <p:sp>
-        <p:nvSpPr>
-          <p:cNvPr id="115" name="114 CuadroTexto"/>
+              <a:t>aceleración</a:t>
+            </a:r>
+          </a:p>
+        </p:txBody>
+      </p:sp>
+      <p:sp>
+        <p:nvSpPr>
+          <p:cNvPr id="103" name="102 CuadroTexto"/>
           <p:cNvSpPr txBox="1"/>
           <p:nvPr/>
         </p:nvSpPr>
         <p:spPr>
           <a:xfrm>
-            <a:off x="5079911" y="3648995"/>
-            <a:ext cx="872238" cy="433017"/>
-          </a:xfrm>
-          <a:prstGeom prst="rect">
-            <a:avLst/>
-          </a:prstGeom>
-          <a:noFill/>
-          <a:ln>
-            <a:solidFill>
-              <a:schemeClr val="tx1"/>
-            </a:solidFill>
-          </a:ln>
-        </p:spPr>
-        <p:txBody>
-          <a:bodyPr wrap="square" lIns="36000" tIns="36000" rIns="36000" bIns="36000" rtlCol="0" anchor="ctr">
-            <a:noAutofit/>
-          </a:bodyPr>
-          <a:lstStyle>
-            <a:defPPr>
-              <a:defRPr lang="es-ES"/>
-            </a:defPPr>
-            <a:lvl1pPr algn="ctr">
-              <a:defRPr sz="900"/>
-            </a:lvl1pPr>
-          </a:lstStyle>
-          <a:p>
-            <a:r>
-              <a:rPr lang="es-ES" dirty="0"/>
-              <a:t>posición-tiempo</a:t>
-            </a:r>
-          </a:p>
-        </p:txBody>
-      </p:sp>
-      <p:sp>
-        <p:nvSpPr>
-          <p:cNvPr id="124" name="123 CuadroTexto"/>
-          <p:cNvSpPr txBox="1"/>
-          <p:nvPr/>
-        </p:nvSpPr>
-        <p:spPr>
-          <a:xfrm>
-            <a:off x="2996548" y="4533187"/>
-            <a:ext cx="949123" cy="366305"/>
-          </a:xfrm>
-          <a:prstGeom prst="rect">
-            <a:avLst/>
-          </a:prstGeom>
-          <a:noFill/>
-          <a:ln>
-            <a:solidFill>
-              <a:schemeClr val="tx1"/>
-            </a:solidFill>
-          </a:ln>
-        </p:spPr>
-        <p:txBody>
-          <a:bodyPr wrap="square" lIns="36000" tIns="36000" rIns="36000" bIns="36000" rtlCol="0" anchor="ctr">
-            <a:noAutofit/>
-          </a:bodyPr>
-          <a:lstStyle>
-            <a:defPPr>
-              <a:defRPr lang="es-ES"/>
-            </a:defPPr>
-            <a:lvl1pPr algn="ctr">
-              <a:defRPr sz="900"/>
-            </a:lvl1pPr>
-          </a:lstStyle>
-          <a:p>
-            <a:r>
-              <a:rPr lang="es-ES" dirty="0"/>
-              <a:t>función lineal</a:t>
-            </a:r>
-          </a:p>
-        </p:txBody>
-      </p:sp>
-      <p:sp>
-        <p:nvSpPr>
-          <p:cNvPr id="126" name="125 CuadroTexto"/>
-          <p:cNvSpPr txBox="1"/>
-          <p:nvPr/>
-        </p:nvSpPr>
-        <p:spPr>
-          <a:xfrm>
-            <a:off x="2995491" y="5508032"/>
-            <a:ext cx="949123" cy="923246"/>
-          </a:xfrm>
-          <a:prstGeom prst="rect">
-            <a:avLst/>
-          </a:prstGeom>
-          <a:noFill/>
-          <a:ln>
-            <a:solidFill>
-              <a:schemeClr val="tx1"/>
-            </a:solidFill>
-          </a:ln>
-        </p:spPr>
-        <p:txBody>
-          <a:bodyPr wrap="square" lIns="36000" tIns="36000" rIns="36000" bIns="36000" rtlCol="0" anchor="ctr">
-            <a:noAutofit/>
-          </a:bodyPr>
-          <a:lstStyle>
-            <a:defPPr>
-              <a:defRPr lang="es-ES"/>
-            </a:defPPr>
-            <a:lvl1pPr algn="ctr">
-              <a:defRPr sz="900"/>
-            </a:lvl1pPr>
-          </a:lstStyle>
-          <a:p>
-            <a:r>
-              <a:rPr lang="es-ES" dirty="0"/>
-              <a:t>pendiente representa la velocidad</a:t>
-            </a:r>
-          </a:p>
-        </p:txBody>
-      </p:sp>
-      <p:sp>
-        <p:nvSpPr>
-          <p:cNvPr id="127" name="126 CuadroTexto"/>
-          <p:cNvSpPr txBox="1"/>
-          <p:nvPr/>
-        </p:nvSpPr>
-        <p:spPr>
-          <a:xfrm>
-            <a:off x="542304" y="3648711"/>
-            <a:ext cx="864709" cy="433299"/>
-          </a:xfrm>
-          <a:prstGeom prst="rect">
-            <a:avLst/>
-          </a:prstGeom>
-          <a:noFill/>
-          <a:ln>
-            <a:solidFill>
-              <a:schemeClr val="tx1"/>
-            </a:solidFill>
-          </a:ln>
-        </p:spPr>
-        <p:txBody>
-          <a:bodyPr wrap="square" lIns="36000" tIns="36000" rIns="36000" bIns="36000" rtlCol="0" anchor="ctr">
-            <a:noAutofit/>
-          </a:bodyPr>
-          <a:lstStyle>
-            <a:defPPr>
-              <a:defRPr lang="es-ES"/>
-            </a:defPPr>
-            <a:lvl1pPr algn="ctr">
-              <a:defRPr sz="900"/>
-            </a:lvl1pPr>
-          </a:lstStyle>
-          <a:p>
-            <a:r>
-              <a:rPr lang="es-ES" dirty="0"/>
-              <a:t>un sistema de referencia fijo</a:t>
-            </a:r>
-          </a:p>
-        </p:txBody>
-      </p:sp>
-      <p:sp>
-        <p:nvSpPr>
-          <p:cNvPr id="128" name="127 CuadroTexto"/>
-          <p:cNvSpPr txBox="1"/>
-          <p:nvPr/>
-        </p:nvSpPr>
-        <p:spPr>
-          <a:xfrm>
-            <a:off x="3974389" y="3648712"/>
-            <a:ext cx="1038015" cy="433300"/>
-          </a:xfrm>
-          <a:prstGeom prst="rect">
-            <a:avLst/>
-          </a:prstGeom>
-          <a:noFill/>
-          <a:ln>
-            <a:solidFill>
-              <a:schemeClr val="tx1"/>
-            </a:solidFill>
-          </a:ln>
-        </p:spPr>
-        <p:txBody>
-          <a:bodyPr wrap="square" lIns="36000" tIns="36000" rIns="36000" bIns="36000" rtlCol="0" anchor="ctr">
-            <a:noAutofit/>
-          </a:bodyPr>
-          <a:lstStyle>
-            <a:defPPr>
-              <a:defRPr lang="es-ES"/>
-            </a:defPPr>
-            <a:lvl1pPr algn="ctr">
-              <a:defRPr sz="900"/>
-            </a:lvl1pPr>
-          </a:lstStyle>
-          <a:p>
-            <a:r>
-              <a:rPr lang="es-ES" dirty="0"/>
-              <a:t>velocidad – tiempo</a:t>
-            </a:r>
-          </a:p>
-        </p:txBody>
-      </p:sp>
-      <p:sp>
-        <p:nvSpPr>
-          <p:cNvPr id="129" name="128 CuadroTexto"/>
-          <p:cNvSpPr txBox="1"/>
-          <p:nvPr/>
-        </p:nvSpPr>
-        <p:spPr>
-          <a:xfrm>
-            <a:off x="4065357" y="4537387"/>
-            <a:ext cx="857864" cy="365131"/>
-          </a:xfrm>
-          <a:prstGeom prst="rect">
-            <a:avLst/>
-          </a:prstGeom>
-          <a:noFill/>
-          <a:ln>
-            <a:solidFill>
-              <a:schemeClr val="tx1"/>
-            </a:solidFill>
-          </a:ln>
-        </p:spPr>
-        <p:txBody>
-          <a:bodyPr wrap="square" lIns="36000" tIns="36000" rIns="36000" bIns="36000" rtlCol="0" anchor="ctr">
-            <a:noAutofit/>
-          </a:bodyPr>
-          <a:lstStyle>
-            <a:defPPr>
-              <a:defRPr lang="es-ES"/>
-            </a:defPPr>
-            <a:lvl1pPr algn="ctr">
-              <a:defRPr sz="900"/>
-            </a:lvl1pPr>
-          </a:lstStyle>
-          <a:p>
-            <a:r>
-              <a:rPr lang="es-ES" dirty="0"/>
-              <a:t>recta horizontal</a:t>
-            </a:r>
-          </a:p>
-        </p:txBody>
-      </p:sp>
-      <p:sp>
-        <p:nvSpPr>
-          <p:cNvPr id="130" name="129 CuadroTexto"/>
-          <p:cNvSpPr txBox="1"/>
-          <p:nvPr/>
-        </p:nvSpPr>
-        <p:spPr>
-          <a:xfrm>
-            <a:off x="4018929" y="5515425"/>
-            <a:ext cx="948952" cy="915853"/>
-          </a:xfrm>
-          <a:prstGeom prst="rect">
-            <a:avLst/>
-          </a:prstGeom>
-          <a:noFill/>
-          <a:ln>
-            <a:solidFill>
-              <a:schemeClr val="tx1"/>
-            </a:solidFill>
-          </a:ln>
-        </p:spPr>
-        <p:txBody>
-          <a:bodyPr wrap="square" lIns="36000" tIns="36000" rIns="36000" bIns="36000" rtlCol="0" anchor="ctr">
-            <a:noAutofit/>
-          </a:bodyPr>
-          <a:lstStyle>
-            <a:defPPr>
-              <a:defRPr lang="es-ES"/>
-            </a:defPPr>
-            <a:lvl1pPr algn="ctr">
-              <a:defRPr sz="900"/>
-            </a:lvl1pPr>
-          </a:lstStyle>
-          <a:p>
-            <a:r>
-              <a:rPr lang="es-ES" dirty="0"/>
-              <a:t>área bajo la recta representa el desplazamiento</a:t>
-            </a:r>
-          </a:p>
-        </p:txBody>
-      </p:sp>
-      <p:sp>
-        <p:nvSpPr>
-          <p:cNvPr id="54" name="53 CuadroTexto"/>
-          <p:cNvSpPr txBox="1"/>
-          <p:nvPr/>
-        </p:nvSpPr>
-        <p:spPr>
-          <a:xfrm>
-            <a:off x="5147347" y="4533187"/>
-            <a:ext cx="732021" cy="369332"/>
-          </a:xfrm>
-          <a:prstGeom prst="rect">
-            <a:avLst/>
-          </a:prstGeom>
-          <a:noFill/>
-          <a:ln>
-            <a:solidFill>
-              <a:schemeClr val="tx1"/>
-            </a:solidFill>
-          </a:ln>
-        </p:spPr>
-        <p:txBody>
-          <a:bodyPr wrap="square" rtlCol="0">
-            <a:spAutoFit/>
-          </a:bodyPr>
-          <a:lstStyle>
-            <a:defPPr>
-              <a:defRPr lang="es-ES"/>
-            </a:defPPr>
-            <a:lvl1pPr algn="ctr">
-              <a:defRPr sz="900"/>
-            </a:lvl1pPr>
-          </a:lstStyle>
-          <a:p>
-            <a:r>
-              <a:rPr lang="es-ES" dirty="0"/>
-              <a:t>función cuadrática</a:t>
-            </a:r>
-          </a:p>
-        </p:txBody>
-      </p:sp>
-      <p:sp>
-        <p:nvSpPr>
-          <p:cNvPr id="56" name="55 CuadroTexto"/>
-          <p:cNvSpPr txBox="1"/>
-          <p:nvPr/>
-        </p:nvSpPr>
-        <p:spPr>
-          <a:xfrm>
-            <a:off x="5999507" y="3651837"/>
-            <a:ext cx="943650" cy="430177"/>
-          </a:xfrm>
-          <a:prstGeom prst="rect">
-            <a:avLst/>
-          </a:prstGeom>
-          <a:noFill/>
-          <a:ln>
-            <a:solidFill>
-              <a:schemeClr val="tx1"/>
-            </a:solidFill>
-          </a:ln>
-        </p:spPr>
-        <p:txBody>
-          <a:bodyPr wrap="square" lIns="36000" tIns="36000" rIns="36000" bIns="36000" rtlCol="0" anchor="ctr">
-            <a:noAutofit/>
-          </a:bodyPr>
-          <a:lstStyle>
-            <a:defPPr>
-              <a:defRPr lang="es-ES"/>
-            </a:defPPr>
-            <a:lvl1pPr algn="ctr">
-              <a:defRPr sz="900"/>
-            </a:lvl1pPr>
-          </a:lstStyle>
-          <a:p>
-            <a:r>
-              <a:rPr lang="es-ES" dirty="0"/>
-              <a:t>velocidad - tiempo</a:t>
-            </a:r>
-          </a:p>
-        </p:txBody>
-      </p:sp>
-      <p:sp>
-        <p:nvSpPr>
-          <p:cNvPr id="57" name="56 CuadroTexto"/>
-          <p:cNvSpPr txBox="1"/>
-          <p:nvPr/>
-        </p:nvSpPr>
-        <p:spPr>
-          <a:xfrm>
-            <a:off x="5927942" y="5515426"/>
-            <a:ext cx="1089657" cy="915854"/>
-          </a:xfrm>
-          <a:prstGeom prst="rect">
-            <a:avLst/>
-          </a:prstGeom>
-          <a:noFill/>
+            <a:off x="3559628" y="2707966"/>
+            <a:ext cx="1301562" cy="507831"/>
+          </a:xfrm>
+          <a:prstGeom prst="rect">
+            <a:avLst/>
+          </a:prstGeom>
+          <a:solidFill>
+            <a:schemeClr val="bg1">
+              <a:lumMod val="75000"/>
+            </a:schemeClr>
+          </a:solidFill>
           <a:ln>
             <a:solidFill>
               <a:schemeClr val="tx1"/>
@@ -2007,13 +1585,437 @@
           <a:p>
             <a:r>
               <a:rPr lang="es-ES" dirty="0"/>
-              <a:t>pendiente representa aceleración.</a:t>
+              <a:t>trayectoria rectilínea</a:t>
             </a:r>
           </a:p>
           <a:p>
             <a:r>
               <a:rPr lang="es-ES" dirty="0"/>
-              <a:t>área bajo la recta representa el espacio recorrido. </a:t>
+              <a:t>velocidad contante</a:t>
+            </a:r>
+          </a:p>
+          <a:p>
+            <a:r>
+              <a:rPr lang="es-ES" dirty="0"/>
+              <a:t>aceleración nula</a:t>
+            </a:r>
+          </a:p>
+        </p:txBody>
+      </p:sp>
+      <p:sp>
+        <p:nvSpPr>
+          <p:cNvPr id="115" name="114 CuadroTexto"/>
+          <p:cNvSpPr txBox="1"/>
+          <p:nvPr/>
+        </p:nvSpPr>
+        <p:spPr>
+          <a:xfrm>
+            <a:off x="5079911" y="3648995"/>
+            <a:ext cx="872238" cy="433017"/>
+          </a:xfrm>
+          <a:prstGeom prst="rect">
+            <a:avLst/>
+          </a:prstGeom>
+          <a:noFill/>
+          <a:ln>
+            <a:solidFill>
+              <a:schemeClr val="tx1"/>
+            </a:solidFill>
+          </a:ln>
+        </p:spPr>
+        <p:txBody>
+          <a:bodyPr wrap="square" lIns="36000" tIns="36000" rIns="36000" bIns="36000" rtlCol="0" anchor="ctr">
+            <a:noAutofit/>
+          </a:bodyPr>
+          <a:lstStyle>
+            <a:defPPr>
+              <a:defRPr lang="es-ES"/>
+            </a:defPPr>
+            <a:lvl1pPr algn="ctr">
+              <a:defRPr sz="900"/>
+            </a:lvl1pPr>
+          </a:lstStyle>
+          <a:p>
+            <a:r>
+              <a:rPr lang="es-ES" dirty="0"/>
+              <a:t>posición-tiempo</a:t>
+            </a:r>
+          </a:p>
+        </p:txBody>
+      </p:sp>
+      <p:sp>
+        <p:nvSpPr>
+          <p:cNvPr id="124" name="123 CuadroTexto"/>
+          <p:cNvSpPr txBox="1"/>
+          <p:nvPr/>
+        </p:nvSpPr>
+        <p:spPr>
+          <a:xfrm>
+            <a:off x="2996548" y="4533187"/>
+            <a:ext cx="949123" cy="366305"/>
+          </a:xfrm>
+          <a:prstGeom prst="rect">
+            <a:avLst/>
+          </a:prstGeom>
+          <a:noFill/>
+          <a:ln>
+            <a:solidFill>
+              <a:schemeClr val="tx1"/>
+            </a:solidFill>
+          </a:ln>
+        </p:spPr>
+        <p:txBody>
+          <a:bodyPr wrap="square" lIns="36000" tIns="36000" rIns="36000" bIns="36000" rtlCol="0" anchor="ctr">
+            <a:noAutofit/>
+          </a:bodyPr>
+          <a:lstStyle>
+            <a:defPPr>
+              <a:defRPr lang="es-ES"/>
+            </a:defPPr>
+            <a:lvl1pPr algn="ctr">
+              <a:defRPr sz="900"/>
+            </a:lvl1pPr>
+          </a:lstStyle>
+          <a:p>
+            <a:r>
+              <a:rPr lang="es-ES" dirty="0"/>
+              <a:t>función lineal</a:t>
+            </a:r>
+          </a:p>
+        </p:txBody>
+      </p:sp>
+      <p:sp>
+        <p:nvSpPr>
+          <p:cNvPr id="126" name="125 CuadroTexto"/>
+          <p:cNvSpPr txBox="1"/>
+          <p:nvPr/>
+        </p:nvSpPr>
+        <p:spPr>
+          <a:xfrm>
+            <a:off x="2995491" y="5508032"/>
+            <a:ext cx="949123" cy="923246"/>
+          </a:xfrm>
+          <a:prstGeom prst="rect">
+            <a:avLst/>
+          </a:prstGeom>
+          <a:noFill/>
+          <a:ln>
+            <a:solidFill>
+              <a:schemeClr val="tx1"/>
+            </a:solidFill>
+          </a:ln>
+        </p:spPr>
+        <p:txBody>
+          <a:bodyPr wrap="square" lIns="36000" tIns="36000" rIns="36000" bIns="36000" rtlCol="0" anchor="ctr">
+            <a:noAutofit/>
+          </a:bodyPr>
+          <a:lstStyle>
+            <a:defPPr>
+              <a:defRPr lang="es-ES"/>
+            </a:defPPr>
+            <a:lvl1pPr algn="ctr">
+              <a:defRPr sz="900"/>
+            </a:lvl1pPr>
+          </a:lstStyle>
+          <a:p>
+            <a:r>
+              <a:rPr lang="es-ES" dirty="0"/>
+              <a:t>pendiente representa la velocidad</a:t>
+            </a:r>
+          </a:p>
+        </p:txBody>
+      </p:sp>
+      <p:sp>
+        <p:nvSpPr>
+          <p:cNvPr id="127" name="126 CuadroTexto"/>
+          <p:cNvSpPr txBox="1"/>
+          <p:nvPr/>
+        </p:nvSpPr>
+        <p:spPr>
+          <a:xfrm>
+            <a:off x="542304" y="3648711"/>
+            <a:ext cx="864709" cy="433299"/>
+          </a:xfrm>
+          <a:prstGeom prst="rect">
+            <a:avLst/>
+          </a:prstGeom>
+          <a:noFill/>
+          <a:ln>
+            <a:solidFill>
+              <a:schemeClr val="tx1"/>
+            </a:solidFill>
+          </a:ln>
+        </p:spPr>
+        <p:txBody>
+          <a:bodyPr wrap="square" lIns="36000" tIns="36000" rIns="36000" bIns="36000" rtlCol="0" anchor="ctr">
+            <a:noAutofit/>
+          </a:bodyPr>
+          <a:lstStyle>
+            <a:defPPr>
+              <a:defRPr lang="es-ES"/>
+            </a:defPPr>
+            <a:lvl1pPr algn="ctr">
+              <a:defRPr sz="900"/>
+            </a:lvl1pPr>
+          </a:lstStyle>
+          <a:p>
+            <a:r>
+              <a:rPr lang="es-ES" dirty="0"/>
+              <a:t>un sistema de referencia fijo</a:t>
+            </a:r>
+          </a:p>
+        </p:txBody>
+      </p:sp>
+      <p:sp>
+        <p:nvSpPr>
+          <p:cNvPr id="128" name="127 CuadroTexto"/>
+          <p:cNvSpPr txBox="1"/>
+          <p:nvPr/>
+        </p:nvSpPr>
+        <p:spPr>
+          <a:xfrm>
+            <a:off x="3974389" y="3648712"/>
+            <a:ext cx="1038015" cy="433300"/>
+          </a:xfrm>
+          <a:prstGeom prst="rect">
+            <a:avLst/>
+          </a:prstGeom>
+          <a:noFill/>
+          <a:ln>
+            <a:solidFill>
+              <a:schemeClr val="tx1"/>
+            </a:solidFill>
+          </a:ln>
+        </p:spPr>
+        <p:txBody>
+          <a:bodyPr wrap="square" lIns="36000" tIns="36000" rIns="36000" bIns="36000" rtlCol="0" anchor="ctr">
+            <a:noAutofit/>
+          </a:bodyPr>
+          <a:lstStyle>
+            <a:defPPr>
+              <a:defRPr lang="es-ES"/>
+            </a:defPPr>
+            <a:lvl1pPr algn="ctr">
+              <a:defRPr sz="900"/>
+            </a:lvl1pPr>
+          </a:lstStyle>
+          <a:p>
+            <a:r>
+              <a:rPr lang="es-ES" dirty="0"/>
+              <a:t>velocidad – tiempo</a:t>
+            </a:r>
+          </a:p>
+        </p:txBody>
+      </p:sp>
+      <p:sp>
+        <p:nvSpPr>
+          <p:cNvPr id="129" name="128 CuadroTexto"/>
+          <p:cNvSpPr txBox="1"/>
+          <p:nvPr/>
+        </p:nvSpPr>
+        <p:spPr>
+          <a:xfrm>
+            <a:off x="4065357" y="4537387"/>
+            <a:ext cx="857864" cy="365131"/>
+          </a:xfrm>
+          <a:prstGeom prst="rect">
+            <a:avLst/>
+          </a:prstGeom>
+          <a:noFill/>
+          <a:ln>
+            <a:solidFill>
+              <a:schemeClr val="tx1"/>
+            </a:solidFill>
+          </a:ln>
+        </p:spPr>
+        <p:txBody>
+          <a:bodyPr wrap="square" lIns="36000" tIns="36000" rIns="36000" bIns="36000" rtlCol="0" anchor="ctr">
+            <a:noAutofit/>
+          </a:bodyPr>
+          <a:lstStyle>
+            <a:defPPr>
+              <a:defRPr lang="es-ES"/>
+            </a:defPPr>
+            <a:lvl1pPr algn="ctr">
+              <a:defRPr sz="900"/>
+            </a:lvl1pPr>
+          </a:lstStyle>
+          <a:p>
+            <a:r>
+              <a:rPr lang="es-ES" dirty="0"/>
+              <a:t>recta horizontal</a:t>
+            </a:r>
+          </a:p>
+        </p:txBody>
+      </p:sp>
+      <p:sp>
+        <p:nvSpPr>
+          <p:cNvPr id="130" name="129 CuadroTexto"/>
+          <p:cNvSpPr txBox="1"/>
+          <p:nvPr/>
+        </p:nvSpPr>
+        <p:spPr>
+          <a:xfrm>
+            <a:off x="4018929" y="5515425"/>
+            <a:ext cx="948952" cy="915853"/>
+          </a:xfrm>
+          <a:prstGeom prst="rect">
+            <a:avLst/>
+          </a:prstGeom>
+          <a:noFill/>
+          <a:ln>
+            <a:solidFill>
+              <a:schemeClr val="tx1"/>
+            </a:solidFill>
+          </a:ln>
+        </p:spPr>
+        <p:txBody>
+          <a:bodyPr wrap="square" lIns="36000" tIns="36000" rIns="36000" bIns="36000" rtlCol="0" anchor="ctr">
+            <a:noAutofit/>
+          </a:bodyPr>
+          <a:lstStyle>
+            <a:defPPr>
+              <a:defRPr lang="es-ES"/>
+            </a:defPPr>
+            <a:lvl1pPr algn="ctr">
+              <a:defRPr sz="900"/>
+            </a:lvl1pPr>
+          </a:lstStyle>
+          <a:p>
+            <a:r>
+              <a:rPr lang="es-ES" dirty="0"/>
+              <a:t>área bajo la recta representa el desplazamiento</a:t>
+            </a:r>
+          </a:p>
+        </p:txBody>
+      </p:sp>
+      <p:sp>
+        <p:nvSpPr>
+          <p:cNvPr id="54" name="53 CuadroTexto"/>
+          <p:cNvSpPr txBox="1"/>
+          <p:nvPr/>
+        </p:nvSpPr>
+        <p:spPr>
+          <a:xfrm>
+            <a:off x="5147347" y="4533187"/>
+            <a:ext cx="732021" cy="369332"/>
+          </a:xfrm>
+          <a:prstGeom prst="rect">
+            <a:avLst/>
+          </a:prstGeom>
+          <a:noFill/>
+          <a:ln>
+            <a:solidFill>
+              <a:schemeClr val="tx1"/>
+            </a:solidFill>
+          </a:ln>
+        </p:spPr>
+        <p:txBody>
+          <a:bodyPr wrap="square" rtlCol="0">
+            <a:spAutoFit/>
+          </a:bodyPr>
+          <a:lstStyle>
+            <a:defPPr>
+              <a:defRPr lang="es-ES"/>
+            </a:defPPr>
+            <a:lvl1pPr algn="ctr">
+              <a:defRPr sz="900"/>
+            </a:lvl1pPr>
+          </a:lstStyle>
+          <a:p>
+            <a:r>
+              <a:rPr lang="es-ES" dirty="0"/>
+              <a:t>función cuadrática</a:t>
+            </a:r>
+          </a:p>
+        </p:txBody>
+      </p:sp>
+      <p:sp>
+        <p:nvSpPr>
+          <p:cNvPr id="56" name="55 CuadroTexto"/>
+          <p:cNvSpPr txBox="1"/>
+          <p:nvPr/>
+        </p:nvSpPr>
+        <p:spPr>
+          <a:xfrm>
+            <a:off x="5999507" y="3651837"/>
+            <a:ext cx="943650" cy="430177"/>
+          </a:xfrm>
+          <a:prstGeom prst="rect">
+            <a:avLst/>
+          </a:prstGeom>
+          <a:noFill/>
+          <a:ln>
+            <a:solidFill>
+              <a:schemeClr val="tx1"/>
+            </a:solidFill>
+          </a:ln>
+        </p:spPr>
+        <p:txBody>
+          <a:bodyPr wrap="square" lIns="36000" tIns="36000" rIns="36000" bIns="36000" rtlCol="0" anchor="ctr">
+            <a:noAutofit/>
+          </a:bodyPr>
+          <a:lstStyle>
+            <a:defPPr>
+              <a:defRPr lang="es-ES"/>
+            </a:defPPr>
+            <a:lvl1pPr algn="ctr">
+              <a:defRPr sz="900"/>
+            </a:lvl1pPr>
+          </a:lstStyle>
+          <a:p>
+            <a:r>
+              <a:rPr lang="es-ES" dirty="0"/>
+              <a:t>velocidad - tiempo</a:t>
+            </a:r>
+          </a:p>
+        </p:txBody>
+      </p:sp>
+      <p:sp>
+        <p:nvSpPr>
+          <p:cNvPr id="57" name="56 CuadroTexto"/>
+          <p:cNvSpPr txBox="1"/>
+          <p:nvPr/>
+        </p:nvSpPr>
+        <p:spPr>
+          <a:xfrm>
+            <a:off x="5927942" y="5515426"/>
+            <a:ext cx="1089657" cy="915854"/>
+          </a:xfrm>
+          <a:prstGeom prst="rect">
+            <a:avLst/>
+          </a:prstGeom>
+          <a:noFill/>
+          <a:ln>
+            <a:solidFill>
+              <a:schemeClr val="tx1"/>
+            </a:solidFill>
+          </a:ln>
+        </p:spPr>
+        <p:txBody>
+          <a:bodyPr wrap="square" lIns="36000" tIns="36000" rIns="36000" bIns="36000" rtlCol="0" anchor="ctr" anchorCtr="0">
+            <a:noAutofit/>
+          </a:bodyPr>
+          <a:lstStyle>
+            <a:defPPr>
+              <a:defRPr lang="es-ES"/>
+            </a:defPPr>
+            <a:lvl1pPr marL="171450" indent="-171450">
+              <a:buFont typeface="Arial" panose="020B0604020202020204" pitchFamily="34" charset="0"/>
+              <a:buChar char="•"/>
+              <a:defRPr sz="900"/>
+            </a:lvl1pPr>
+          </a:lstStyle>
+          <a:p>
+            <a:r>
+              <a:rPr lang="es-ES" dirty="0"/>
+              <a:t>pendiente representa aceleración</a:t>
+            </a:r>
+          </a:p>
+          <a:p>
+            <a:r>
+              <a:rPr lang="es-ES" dirty="0"/>
+              <a:t>área bajo la recta representa el espacio recorrido </a:t>
             </a:r>
           </a:p>
         </p:txBody>
@@ -2140,8 +2142,8 @@
         </p:nvCxnSpPr>
         <p:spPr>
           <a:xfrm rot="16200000" flipH="1">
-            <a:off x="5360825" y="-281616"/>
-            <a:ext cx="140861" cy="1761363"/>
+            <a:off x="5158603" y="-79393"/>
+            <a:ext cx="140861" cy="1356918"/>
           </a:xfrm>
           <a:prstGeom prst="bentConnector3">
             <a:avLst/>
@@ -2254,8 +2256,8 @@
         </p:nvCxnSpPr>
         <p:spPr>
           <a:xfrm rot="5400000">
-            <a:off x="2137574" y="1139396"/>
-            <a:ext cx="236265" cy="505081"/>
+            <a:off x="2133178" y="1135000"/>
+            <a:ext cx="236265" cy="513873"/>
           </a:xfrm>
           <a:prstGeom prst="bentConnector3">
             <a:avLst>
@@ -2334,7 +2336,7 @@
         </p:nvCxnSpPr>
         <p:spPr>
           <a:xfrm rot="5400000">
-            <a:off x="6264753" y="1008833"/>
+            <a:off x="5860308" y="1008833"/>
             <a:ext cx="94132" cy="237"/>
           </a:xfrm>
           <a:prstGeom prst="bentConnector3">
@@ -2372,7 +2374,7 @@
         </p:nvCxnSpPr>
         <p:spPr>
           <a:xfrm rot="5400000">
-            <a:off x="1916733" y="2147881"/>
+            <a:off x="1907941" y="2147881"/>
             <a:ext cx="170246" cy="2619"/>
           </a:xfrm>
           <a:prstGeom prst="bentConnector3">
@@ -2450,8 +2452,8 @@
         </p:nvCxnSpPr>
         <p:spPr>
           <a:xfrm rot="5400000">
-            <a:off x="4084842" y="2590713"/>
-            <a:ext cx="251613" cy="477"/>
+            <a:off x="4089238" y="2586317"/>
+            <a:ext cx="242821" cy="477"/>
           </a:xfrm>
           <a:prstGeom prst="bentConnector3">
             <a:avLst>
@@ -2728,8 +2730,8 @@
         </p:nvCxnSpPr>
         <p:spPr>
           <a:xfrm rot="5400000">
-            <a:off x="916933" y="3266823"/>
-            <a:ext cx="111054" cy="298"/>
+            <a:off x="916934" y="3266823"/>
+            <a:ext cx="111054" cy="299"/>
           </a:xfrm>
           <a:prstGeom prst="bentConnector3">
             <a:avLst/>
@@ -2763,7 +2765,7 @@
         </p:nvSpPr>
         <p:spPr>
           <a:xfrm>
-            <a:off x="5730853" y="1056017"/>
+            <a:off x="5326408" y="1056017"/>
             <a:ext cx="1161693" cy="230832"/>
           </a:xfrm>
           <a:prstGeom prst="rect">
@@ -2798,7 +2800,7 @@
         </p:nvSpPr>
         <p:spPr>
           <a:xfrm>
-            <a:off x="1694750" y="2234313"/>
+            <a:off x="1685958" y="2234313"/>
             <a:ext cx="611592" cy="230832"/>
           </a:xfrm>
           <a:prstGeom prst="rect">
@@ -3258,8 +3260,8 @@
         </p:nvCxnSpPr>
         <p:spPr>
           <a:xfrm rot="16200000" flipH="1">
-            <a:off x="824674" y="2566725"/>
-            <a:ext cx="294813" cy="1057"/>
+            <a:off x="824675" y="2566725"/>
+            <a:ext cx="294813" cy="1058"/>
           </a:xfrm>
           <a:prstGeom prst="bentConnector3">
             <a:avLst/>
@@ -3336,8 +3338,8 @@
         </p:nvCxnSpPr>
         <p:spPr>
           <a:xfrm rot="5400000">
-            <a:off x="1872898" y="2590945"/>
-            <a:ext cx="253449" cy="1849"/>
+            <a:off x="1869387" y="2585664"/>
+            <a:ext cx="242887" cy="1849"/>
           </a:xfrm>
           <a:prstGeom prst="bentConnector3">
             <a:avLst>
@@ -3376,8 +3378,8 @@
         </p:nvCxnSpPr>
         <p:spPr>
           <a:xfrm rot="5400000">
-            <a:off x="5148279" y="346648"/>
-            <a:ext cx="223220" cy="2103623"/>
+            <a:off x="4946056" y="548870"/>
+            <a:ext cx="223220" cy="1699178"/>
           </a:xfrm>
           <a:prstGeom prst="bentConnector3">
             <a:avLst/>
@@ -3414,8 +3416,8 @@
         </p:nvCxnSpPr>
         <p:spPr>
           <a:xfrm rot="16200000" flipH="1">
-            <a:off x="6831439" y="767110"/>
-            <a:ext cx="225337" cy="1264814"/>
+            <a:off x="6629216" y="564887"/>
+            <a:ext cx="225337" cy="1669259"/>
           </a:xfrm>
           <a:prstGeom prst="bentConnector3">
             <a:avLst>
@@ -3487,8 +3489,8 @@
         </p:nvCxnSpPr>
         <p:spPr>
           <a:xfrm rot="16200000" flipH="1">
-            <a:off x="4158422" y="3276576"/>
-            <a:ext cx="106111" cy="2136"/>
+            <a:off x="4154026" y="3272180"/>
+            <a:ext cx="114903" cy="2136"/>
           </a:xfrm>
           <a:prstGeom prst="bentConnector3">
             <a:avLst>
@@ -3991,7 +3993,7 @@
             </a:pPr>
             <a:r>
               <a:rPr lang="es-ES" sz="900" dirty="0"/>
-              <a:t>trayectoria rectilínea.</a:t>
+              <a:t>trayectoria rectilínea</a:t>
             </a:r>
           </a:p>
           <a:p>
@@ -4991,7 +4993,7 @@
             </a:pPr>
             <a:r>
               <a:rPr lang="es-ES" sz="900" dirty="0"/>
-              <a:t>caída libre.</a:t>
+              <a:t>caída libre</a:t>
             </a:r>
           </a:p>
           <a:p>
@@ -5001,7 +5003,7 @@
             </a:pPr>
             <a:r>
               <a:rPr lang="es-ES" sz="900" dirty="0"/>
-              <a:t>lanzamiento vertical.</a:t>
+              <a:t>lanzamiento vertical</a:t>
             </a:r>
           </a:p>
         </p:txBody>
@@ -5044,13 +5046,13 @@
           <a:p>
             <a:r>
               <a:rPr lang="es-ES" dirty="0"/>
-              <a:t>un cuerpo acelera mientras cae.</a:t>
+              <a:t>un cuerpo acelera mientras cae</a:t>
             </a:r>
           </a:p>
           <a:p>
             <a:r>
               <a:rPr lang="es-ES" dirty="0"/>
-              <a:t>un cuerpo que desacelera mientras sube.</a:t>
+              <a:t>un cuerpo que desacelera mientras sube</a:t>
             </a:r>
           </a:p>
         </p:txBody>
@@ -5144,8 +5146,8 @@
         </p:nvCxnSpPr>
         <p:spPr>
           <a:xfrm rot="5400000" flipH="1" flipV="1">
-            <a:off x="8537155" y="4127902"/>
-            <a:ext cx="77067" cy="714"/>
+            <a:off x="8519571" y="4145486"/>
+            <a:ext cx="112235" cy="714"/>
           </a:xfrm>
           <a:prstGeom prst="bentConnector3">
             <a:avLst/>
@@ -5179,8 +5181,8 @@
         </p:nvSpPr>
         <p:spPr>
           <a:xfrm>
-            <a:off x="8176267" y="4166792"/>
-            <a:ext cx="798127" cy="178053"/>
+            <a:off x="8176267" y="4201960"/>
+            <a:ext cx="798127" cy="200055"/>
           </a:xfrm>
           <a:prstGeom prst="rect">
             <a:avLst/>
@@ -5193,14 +5195,20 @@
           <a:bodyPr wrap="square" rtlCol="0">
             <a:spAutoFit/>
           </a:bodyPr>
-          <a:lstStyle/>
-          <a:p>
-            <a:pPr algn="ctr"/>
-            <a:r>
-              <a:rPr lang="es-ES" sz="800" dirty="0">
+          <a:lstStyle>
+            <a:defPPr>
+              <a:defRPr lang="es-ES"/>
+            </a:defPPr>
+            <a:lvl1pPr algn="ctr">
+              <a:defRPr sz="700">
                 <a:latin typeface="Arial" pitchFamily="34" charset="0"/>
                 <a:cs typeface="Arial" pitchFamily="34" charset="0"/>
-              </a:rPr>
+              </a:defRPr>
+            </a:lvl1pPr>
+          </a:lstStyle>
+          <a:p>
+            <a:r>
+              <a:rPr lang="es-ES" dirty="0"/>
               <a:t>se observa</a:t>
             </a:r>
           </a:p>
@@ -5217,8 +5225,8 @@
         </p:nvCxnSpPr>
         <p:spPr>
           <a:xfrm rot="5400000" flipH="1" flipV="1">
-            <a:off x="8473780" y="4444646"/>
-            <a:ext cx="201352" cy="1750"/>
+            <a:off x="8502365" y="4473231"/>
+            <a:ext cx="144182" cy="1750"/>
           </a:xfrm>
           <a:prstGeom prst="bentConnector3">
             <a:avLst>

--- a/fuentes/contenidos/grado10/guion02/CN_10_02_CO.pptx
+++ b/fuentes/contenidos/grado10/guion02/CN_10_02_CO.pptx
@@ -3056,7 +3056,7 @@
                 <a:latin typeface="Arial" pitchFamily="34" charset="0"/>
                 <a:cs typeface="Arial" pitchFamily="34" charset="0"/>
               </a:rPr>
-              <a:t>que describe</a:t>
+              <a:t>describe</a:t>
             </a:r>
           </a:p>
         </p:txBody>
